--- a/JavaSE/多线程/多线程.pptx
+++ b/JavaSE/多线程/多线程.pptx
@@ -5,7 +5,7 @@
     <p:sldMasterId id="2147483648" r:id="rId1"/>
   </p:sldMasterIdLst>
   <p:notesMasterIdLst>
-    <p:notesMasterId r:id="rId28"/>
+    <p:notesMasterId r:id="rId30"/>
   </p:notesMasterIdLst>
   <p:sldIdLst>
     <p:sldId id="256" r:id="rId2"/>
@@ -34,6 +34,8 @@
     <p:sldId id="289" r:id="rId25"/>
     <p:sldId id="290" r:id="rId26"/>
     <p:sldId id="291" r:id="rId27"/>
+    <p:sldId id="292" r:id="rId28"/>
+    <p:sldId id="293" r:id="rId29"/>
   </p:sldIdLst>
   <p:sldSz cx="9144000" cy="6858000" type="screen4x3"/>
   <p:notesSz cx="6858000" cy="9144000"/>
@@ -11174,7 +11176,7 @@
         <p:spPr>
           <a:xfrm>
             <a:off x="896866" y="4822561"/>
-            <a:ext cx="7263759" cy="1877437"/>
+            <a:ext cx="7263759" cy="1661993"/>
           </a:xfrm>
           <a:prstGeom prst="rect">
             <a:avLst/>
@@ -11208,14 +11210,36 @@
           </a:p>
           <a:p>
             <a:r>
+              <a:rPr lang="en-US" altLang="zh-CN" sz="1400" dirty="0"/>
+              <a:t> </a:t>
+            </a:r>
+            <a:r>
+              <a:rPr lang="en-US" altLang="zh-CN" sz="1400" dirty="0" smtClean="0"/>
+              <a:t>       </a:t>
+            </a:r>
+            <a:r>
+              <a:rPr lang="zh-CN" altLang="en-US" sz="1400" dirty="0" smtClean="0"/>
+              <a:t>当</a:t>
+            </a:r>
+            <a:r>
               <a:rPr lang="zh-CN" altLang="en-US" sz="1400" dirty="0"/>
-              <a:t>当多条语句在操作同一个线程共享数据时，一个线程对多条语句只执行了一部分，还没有</a:t>
-            </a:r>
-          </a:p>
-          <a:p>
+              <a:t>多线程</a:t>
+            </a:r>
+            <a:r>
+              <a:rPr lang="zh-CN" altLang="en-US" sz="1400" dirty="0" smtClean="0"/>
+              <a:t>共享</a:t>
+            </a:r>
             <a:r>
               <a:rPr lang="zh-CN" altLang="en-US" sz="1400" dirty="0"/>
-              <a:t>执行完，另一个线程参与进来执行。导致共享数据的错误。</a:t>
+              <a:t>数据时，一个线程对多条语句只执行了一部分，还</a:t>
+            </a:r>
+            <a:r>
+              <a:rPr lang="zh-CN" altLang="en-US" sz="1400" dirty="0" smtClean="0"/>
+              <a:t>没有执行</a:t>
+            </a:r>
+            <a:r>
+              <a:rPr lang="zh-CN" altLang="en-US" sz="1400" dirty="0"/>
+              <a:t>完，另一个线程参与进来执行。导致共享数据的错误。</a:t>
             </a:r>
           </a:p>
           <a:p>
@@ -11230,22 +11254,36 @@
           </a:p>
           <a:p>
             <a:r>
+              <a:rPr lang="en-US" altLang="zh-CN" sz="1400" dirty="0"/>
+              <a:t> </a:t>
+            </a:r>
+            <a:r>
+              <a:rPr lang="en-US" altLang="zh-CN" sz="1400" dirty="0" smtClean="0"/>
+              <a:t>       </a:t>
+            </a:r>
+            <a:r>
+              <a:rPr lang="zh-CN" altLang="en-US" sz="1400" dirty="0" smtClean="0"/>
+              <a:t>操作</a:t>
+            </a:r>
+            <a:r>
               <a:rPr lang="zh-CN" altLang="en-US" sz="1400" dirty="0"/>
-              <a:t>对多条操作共享数据的语句，只能让一个线程都执行完，在执行过程中</a:t>
+              <a:t>共享数据的语句，只能让一个线程都执行完，在执行过程中</a:t>
             </a:r>
             <a:r>
               <a:rPr lang="zh-CN" altLang="en-US" sz="1400" dirty="0" smtClean="0"/>
-              <a:t>，即时阻塞，其他</a:t>
+              <a:t>，即使阻塞</a:t>
+            </a:r>
+            <a:r>
+              <a:rPr lang="zh-CN" altLang="en-US" sz="1400" dirty="0" smtClean="0"/>
+              <a:t>，其他</a:t>
+            </a:r>
+            <a:r>
+              <a:rPr lang="zh-CN" altLang="en-US" sz="1400" dirty="0" smtClean="0"/>
+              <a:t>线程也不可以参与</a:t>
             </a:r>
             <a:r>
               <a:rPr lang="zh-CN" altLang="en-US" sz="1400" dirty="0"/>
-              <a:t>线程不可以</a:t>
-            </a:r>
-          </a:p>
-          <a:p>
-            <a:r>
-              <a:rPr lang="zh-CN" altLang="en-US" sz="1400" dirty="0"/>
-              <a:t>参与执行</a:t>
+              <a:t>执行</a:t>
             </a:r>
             <a:r>
               <a:rPr lang="zh-CN" altLang="en-US" dirty="0"/>
@@ -17899,7 +17937,7 @@
         <p:spPr>
           <a:xfrm>
             <a:off x="681038" y="4797152"/>
-            <a:ext cx="8139112" cy="1754326"/>
+            <a:ext cx="8139112" cy="1477328"/>
           </a:xfrm>
           <a:prstGeom prst="rect">
             <a:avLst/>
@@ -17924,32 +17962,29 @@
             </a:r>
             <a:r>
               <a:rPr lang="en-US" altLang="zh-CN" dirty="0"/>
-              <a:t>1.wait()</a:t>
+              <a:t>1.wait</a:t>
+            </a:r>
+            <a:r>
+              <a:rPr lang="en-US" altLang="zh-CN" dirty="0" smtClean="0"/>
+              <a:t>()</a:t>
+            </a:r>
+            <a:r>
+              <a:rPr lang="zh-CN" altLang="en-US" dirty="0" smtClean="0"/>
+              <a:t>：</a:t>
+            </a:r>
+            <a:r>
+              <a:rPr lang="zh-CN" altLang="en-US" dirty="0" smtClean="0"/>
+              <a:t>一旦</a:t>
             </a:r>
             <a:r>
               <a:rPr lang="zh-CN" altLang="en-US" dirty="0"/>
-              <a:t>，</a:t>
-            </a:r>
-            <a:r>
-              <a:rPr lang="en-US" altLang="zh-CN" dirty="0"/>
-              <a:t>notify()</a:t>
-            </a:r>
-            <a:r>
-              <a:rPr lang="zh-CN" altLang="en-US" dirty="0"/>
-              <a:t>，</a:t>
-            </a:r>
-            <a:r>
-              <a:rPr lang="en-US" altLang="zh-CN" dirty="0" err="1"/>
-              <a:t>notifyAll</a:t>
-            </a:r>
-            <a:r>
-              <a:rPr lang="en-US" altLang="zh-CN" dirty="0"/>
-              <a:t>()</a:t>
-            </a:r>
-            <a:r>
-              <a:rPr lang="zh-CN" altLang="en-US" dirty="0"/>
-              <a:t>三个方法必须使用在同步代码块或同步方法中。</a:t>
-            </a:r>
+              <a:t>执行此方法，当前线程就进入阻塞状态，并释放同步</a:t>
+            </a:r>
+            <a:r>
+              <a:rPr lang="zh-CN" altLang="en-US" dirty="0" smtClean="0"/>
+              <a:t>监视器。</a:t>
+            </a:r>
+            <a:endParaRPr lang="zh-CN" altLang="en-US" dirty="0"/>
           </a:p>
           <a:p>
             <a:r>
@@ -17957,89 +17992,73 @@
               <a:t> * </a:t>
             </a:r>
             <a:r>
+              <a:rPr lang="en-US" altLang="zh-CN" dirty="0" smtClean="0"/>
+              <a:t>2.</a:t>
+            </a:r>
+            <a:r>
+              <a:rPr lang="en-US" altLang="zh-CN" dirty="0" smtClean="0"/>
+              <a:t>notify()</a:t>
+            </a:r>
+            <a:r>
+              <a:rPr lang="zh-CN" altLang="en-US" dirty="0" smtClean="0"/>
+              <a:t>：一旦</a:t>
+            </a:r>
+            <a:r>
+              <a:rPr lang="zh-CN" altLang="en-US" dirty="0"/>
+              <a:t>执行此方法，就会唤醒被</a:t>
+            </a:r>
+            <a:r>
               <a:rPr lang="en-US" altLang="zh-CN" dirty="0"/>
-              <a:t>2.wait()</a:t>
+              <a:t>wait</a:t>
             </a:r>
             <a:r>
               <a:rPr lang="zh-CN" altLang="en-US" dirty="0"/>
+              <a:t>的一个线程。如果有多个线程被</a:t>
+            </a:r>
+            <a:r>
+              <a:rPr lang="en-US" altLang="zh-CN" dirty="0" smtClean="0"/>
+              <a:t>wait()</a:t>
+            </a:r>
+            <a:r>
+              <a:rPr lang="zh-CN" altLang="en-US" dirty="0" smtClean="0"/>
               <a:t>，</a:t>
             </a:r>
             <a:r>
+              <a:rPr lang="zh-CN" altLang="en-US" dirty="0"/>
+              <a:t>就唤醒优先级高的那个。</a:t>
+            </a:r>
+            <a:endParaRPr lang="zh-CN" altLang="en-US" dirty="0"/>
+          </a:p>
+          <a:p>
+            <a:r>
+              <a:rPr lang="zh-CN" altLang="en-US" dirty="0" smtClean="0"/>
+              <a:t>* </a:t>
+            </a:r>
+            <a:r>
+              <a:rPr lang="en-US" altLang="zh-CN" dirty="0" smtClean="0"/>
+              <a:t>3.</a:t>
+            </a:r>
+            <a:r>
+              <a:rPr lang="en-US" altLang="zh-CN" dirty="0" smtClean="0"/>
+              <a:t>notifyAll</a:t>
+            </a:r>
+            <a:r>
               <a:rPr lang="en-US" altLang="zh-CN" dirty="0"/>
-              <a:t>notify()</a:t>
+              <a:t>():</a:t>
             </a:r>
             <a:r>
               <a:rPr lang="zh-CN" altLang="en-US" dirty="0"/>
-              <a:t>，</a:t>
-            </a:r>
-            <a:r>
-              <a:rPr lang="en-US" altLang="zh-CN" dirty="0" err="1"/>
-              <a:t>notifyAll</a:t>
+              <a:t>一旦执行此方法，就会唤醒所有被</a:t>
             </a:r>
             <a:r>
               <a:rPr lang="en-US" altLang="zh-CN" dirty="0"/>
-              <a:t>()</a:t>
+              <a:t>wait</a:t>
             </a:r>
             <a:r>
               <a:rPr lang="zh-CN" altLang="en-US" dirty="0"/>
-              <a:t>三个方法的调用者必须是同步代码块或同步方法中的同步监视器。</a:t>
-            </a:r>
-          </a:p>
-          <a:p>
-            <a:r>
-              <a:rPr lang="zh-CN" altLang="en-US" dirty="0"/>
-              <a:t> *    否则，会出现</a:t>
-            </a:r>
-            <a:r>
-              <a:rPr lang="en-US" altLang="zh-CN" dirty="0" err="1"/>
-              <a:t>IllegalMonitorStateException</a:t>
-            </a:r>
-            <a:r>
-              <a:rPr lang="zh-CN" altLang="en-US" dirty="0"/>
-              <a:t>异常</a:t>
-            </a:r>
-          </a:p>
-          <a:p>
-            <a:r>
-              <a:rPr lang="zh-CN" altLang="en-US" dirty="0"/>
-              <a:t> * </a:t>
-            </a:r>
-            <a:r>
-              <a:rPr lang="en-US" altLang="zh-CN" dirty="0"/>
-              <a:t>3.wait()</a:t>
-            </a:r>
-            <a:r>
-              <a:rPr lang="zh-CN" altLang="en-US" dirty="0"/>
-              <a:t>，</a:t>
-            </a:r>
-            <a:r>
-              <a:rPr lang="en-US" altLang="zh-CN" dirty="0"/>
-              <a:t>notify()</a:t>
-            </a:r>
-            <a:r>
-              <a:rPr lang="zh-CN" altLang="en-US" dirty="0"/>
-              <a:t>，</a:t>
-            </a:r>
-            <a:r>
-              <a:rPr lang="en-US" altLang="zh-CN" dirty="0" err="1"/>
-              <a:t>notifyAll</a:t>
-            </a:r>
-            <a:r>
-              <a:rPr lang="en-US" altLang="zh-CN" dirty="0"/>
-              <a:t>()</a:t>
-            </a:r>
-            <a:r>
-              <a:rPr lang="zh-CN" altLang="en-US" dirty="0"/>
-              <a:t>三个方法是定义在</a:t>
-            </a:r>
-            <a:r>
-              <a:rPr lang="en-US" altLang="zh-CN" dirty="0" err="1"/>
-              <a:t>java.lang.Object</a:t>
-            </a:r>
-            <a:r>
-              <a:rPr lang="zh-CN" altLang="en-US" dirty="0"/>
-              <a:t>类中。</a:t>
-            </a:r>
+              <a:t>的线程。</a:t>
+            </a:r>
+            <a:endParaRPr lang="zh-CN" altLang="en-US" dirty="0"/>
           </a:p>
         </p:txBody>
       </p:sp>
@@ -18940,7 +18959,7 @@
         </p:nvSpPr>
         <p:spPr>
           <a:xfrm>
-            <a:off x="468313" y="4869160"/>
+            <a:off x="468312" y="4869160"/>
             <a:ext cx="6984007" cy="369332"/>
           </a:xfrm>
           <a:prstGeom prst="rect">
@@ -19693,8 +19712,8 @@
         </p:nvSpPr>
         <p:spPr>
           <a:xfrm>
-            <a:off x="871265" y="1484784"/>
-            <a:ext cx="7416304" cy="2862322"/>
+            <a:off x="962584" y="908720"/>
+            <a:ext cx="7416304" cy="5770811"/>
           </a:xfrm>
           <a:prstGeom prst="rect">
             <a:avLst/>
@@ -19718,6 +19737,11 @@
             <a:endParaRPr lang="en-US" altLang="zh-CN" dirty="0" smtClean="0"/>
           </a:p>
           <a:p>
+            <a:pPr>
+              <a:lnSpc>
+                <a:spcPct val="150000"/>
+              </a:lnSpc>
+            </a:pPr>
             <a:r>
               <a:rPr lang="en-US" altLang="zh-CN" dirty="0" smtClean="0"/>
               <a:t>1.</a:t>
@@ -19737,7 +19761,11 @@
             <a:endParaRPr lang="en-US" altLang="zh-CN" dirty="0" smtClean="0"/>
           </a:p>
           <a:p>
-            <a:pPr lvl="1"/>
+            <a:pPr lvl="1">
+              <a:lnSpc>
+                <a:spcPct val="150000"/>
+              </a:lnSpc>
+            </a:pPr>
             <a:r>
               <a:rPr lang="zh-CN" altLang="en-US" dirty="0"/>
               <a:t>与使用</a:t>
@@ -19760,7 +19788,11 @@
             </a:r>
           </a:p>
           <a:p>
-            <a:pPr lvl="1"/>
+            <a:pPr lvl="1">
+              <a:lnSpc>
+                <a:spcPct val="150000"/>
+              </a:lnSpc>
+            </a:pPr>
             <a:r>
               <a:rPr lang="zh-CN" altLang="en-US" dirty="0"/>
               <a:t> 相比</a:t>
@@ -19775,21 +19807,33 @@
             </a:r>
           </a:p>
           <a:p>
-            <a:pPr lvl="1"/>
+            <a:pPr lvl="1">
+              <a:lnSpc>
+                <a:spcPct val="150000"/>
+              </a:lnSpc>
+            </a:pPr>
             <a:r>
               <a:rPr lang="zh-CN" altLang="en-US" dirty="0"/>
               <a:t> 方法可以抛出异常</a:t>
             </a:r>
           </a:p>
           <a:p>
-            <a:pPr lvl="1"/>
+            <a:pPr lvl="1">
+              <a:lnSpc>
+                <a:spcPct val="150000"/>
+              </a:lnSpc>
+            </a:pPr>
             <a:r>
               <a:rPr lang="zh-CN" altLang="en-US" dirty="0"/>
               <a:t> 支持泛型的返回值</a:t>
             </a:r>
           </a:p>
           <a:p>
-            <a:pPr lvl="1"/>
+            <a:pPr lvl="1">
+              <a:lnSpc>
+                <a:spcPct val="150000"/>
+              </a:lnSpc>
+            </a:pPr>
             <a:r>
               <a:rPr lang="zh-CN" altLang="en-US" dirty="0"/>
               <a:t> 需要借助</a:t>
@@ -19809,47 +19853,106 @@
             <a:endParaRPr lang="en-US" altLang="zh-CN" dirty="0"/>
           </a:p>
           <a:p>
+            <a:pPr>
+              <a:lnSpc>
+                <a:spcPct val="150000"/>
+              </a:lnSpc>
+            </a:pPr>
             <a:endParaRPr lang="en-US" altLang="zh-CN" dirty="0" smtClean="0"/>
           </a:p>
           <a:p>
-            <a:r>
-              <a:rPr lang="en-US" altLang="zh-CN" dirty="0" smtClean="0"/>
-              <a:t>2.</a:t>
-            </a:r>
-            <a:r>
-              <a:rPr lang="zh-CN" altLang="en-US" dirty="0" smtClean="0"/>
-              <a:t>线程</a:t>
-            </a:r>
-            <a:r>
-              <a:rPr lang="zh-CN" altLang="en-US" dirty="0" smtClean="0"/>
-              <a:t>池</a:t>
-            </a:r>
-            <a:endParaRPr lang="en-US" altLang="zh-CN" dirty="0" smtClean="0"/>
-          </a:p>
-          <a:p>
-            <a:r>
-              <a:rPr lang="en-US" altLang="zh-CN" dirty="0" smtClean="0"/>
-              <a:t>       JDK </a:t>
-            </a:r>
+            <a:pPr>
+              <a:lnSpc>
+                <a:spcPct val="150000"/>
+              </a:lnSpc>
+            </a:pPr>
             <a:r>
               <a:rPr lang="en-US" altLang="zh-CN" dirty="0"/>
-              <a:t>5.0</a:t>
+              <a:t> Future</a:t>
             </a:r>
             <a:r>
               <a:rPr lang="zh-CN" altLang="en-US" dirty="0"/>
-              <a:t>起提供了线程池相关</a:t>
+              <a:t>接口</a:t>
+            </a:r>
+          </a:p>
+          <a:p>
+            <a:pPr>
+              <a:lnSpc>
+                <a:spcPct val="150000"/>
+              </a:lnSpc>
+            </a:pPr>
+            <a:r>
+              <a:rPr lang="zh-CN" altLang="en-US" dirty="0"/>
+              <a:t> 可以对具体</a:t>
             </a:r>
             <a:r>
               <a:rPr lang="en-US" altLang="zh-CN" dirty="0"/>
-              <a:t>API</a:t>
+              <a:t>Runnable</a:t>
             </a:r>
             <a:r>
               <a:rPr lang="zh-CN" altLang="en-US" dirty="0"/>
-              <a:t>：</a:t>
+              <a:t>、</a:t>
+            </a:r>
+            <a:r>
+              <a:rPr lang="en-US" altLang="zh-CN" dirty="0"/>
+              <a:t>Callable</a:t>
+            </a:r>
+            <a:r>
+              <a:rPr lang="zh-CN" altLang="en-US" dirty="0"/>
+              <a:t>任务的执行结果进行取消、查询是</a:t>
+            </a:r>
+          </a:p>
+          <a:p>
+            <a:pPr>
+              <a:lnSpc>
+                <a:spcPct val="150000"/>
+              </a:lnSpc>
+            </a:pPr>
+            <a:r>
+              <a:rPr lang="zh-CN" altLang="en-US" dirty="0"/>
+              <a:t>否完成、获取结果等。</a:t>
+            </a:r>
+          </a:p>
+          <a:p>
+            <a:pPr>
+              <a:lnSpc>
+                <a:spcPct val="150000"/>
+              </a:lnSpc>
+            </a:pPr>
+            <a:r>
+              <a:rPr lang="zh-CN" altLang="en-US" dirty="0"/>
+              <a:t> </a:t>
             </a:r>
             <a:r>
               <a:rPr lang="en-US" altLang="zh-CN" dirty="0" err="1"/>
-              <a:t>ExecutorService</a:t>
+              <a:t>FutrueTask</a:t>
+            </a:r>
+            <a:r>
+              <a:rPr lang="zh-CN" altLang="en-US" dirty="0"/>
+              <a:t>是</a:t>
+            </a:r>
+            <a:r>
+              <a:rPr lang="en-US" altLang="zh-CN" dirty="0" err="1"/>
+              <a:t>Futrue</a:t>
+            </a:r>
+            <a:r>
+              <a:rPr lang="zh-CN" altLang="en-US" dirty="0"/>
+              <a:t>接口的唯一的实现类</a:t>
+            </a:r>
+          </a:p>
+          <a:p>
+            <a:pPr>
+              <a:lnSpc>
+                <a:spcPct val="150000"/>
+              </a:lnSpc>
+            </a:pPr>
+            <a:r>
+              <a:rPr lang="zh-CN" altLang="en-US" dirty="0"/>
+              <a:t> </a:t>
+            </a:r>
+            <a:r>
+              <a:rPr lang="en-US" altLang="zh-CN" dirty="0" err="1"/>
+              <a:t>FutureTask</a:t>
             </a:r>
             <a:r>
               <a:rPr lang="en-US" altLang="zh-CN" dirty="0"/>
@@ -19857,26 +19960,776 @@
             </a:r>
             <a:r>
               <a:rPr lang="zh-CN" altLang="en-US" dirty="0"/>
-              <a:t>和 </a:t>
+              <a:t>同时实现了</a:t>
             </a:r>
             <a:r>
               <a:rPr lang="en-US" altLang="zh-CN" dirty="0"/>
-              <a:t>Executors</a:t>
+              <a:t>Runnable, Future</a:t>
+            </a:r>
+            <a:r>
+              <a:rPr lang="zh-CN" altLang="en-US" dirty="0"/>
+              <a:t>接口。它既可以作为</a:t>
+            </a:r>
+          </a:p>
+          <a:p>
+            <a:pPr>
+              <a:lnSpc>
+                <a:spcPct val="150000"/>
+              </a:lnSpc>
+            </a:pPr>
+            <a:r>
+              <a:rPr lang="en-US" altLang="zh-CN" dirty="0"/>
+              <a:t>Runnable</a:t>
+            </a:r>
+            <a:r>
+              <a:rPr lang="zh-CN" altLang="en-US" dirty="0"/>
+              <a:t>被线程执行，又可以作为</a:t>
+            </a:r>
+            <a:r>
+              <a:rPr lang="en-US" altLang="zh-CN" dirty="0"/>
+              <a:t>Future</a:t>
+            </a:r>
+            <a:r>
+              <a:rPr lang="zh-CN" altLang="en-US" dirty="0"/>
+              <a:t>得到</a:t>
+            </a:r>
+            <a:r>
+              <a:rPr lang="en-US" altLang="zh-CN" dirty="0"/>
+              <a:t>Callable</a:t>
+            </a:r>
+            <a:r>
+              <a:rPr lang="zh-CN" altLang="en-US" dirty="0"/>
+              <a:t>的返回值</a:t>
             </a:r>
             <a:endParaRPr lang="zh-CN" altLang="en-US" dirty="0"/>
+          </a:p>
+        </p:txBody>
+      </p:sp>
+    </p:spTree>
+    <p:extLst>
+      <p:ext uri="{BB962C8B-B14F-4D97-AF65-F5344CB8AC3E}">
+        <p14:creationId xmlns:p14="http://schemas.microsoft.com/office/powerpoint/2010/main" val="832961557"/>
+      </p:ext>
+    </p:extLst>
+  </p:cSld>
+  <p:clrMapOvr>
+    <a:masterClrMapping/>
+  </p:clrMapOvr>
+  <p:timing>
+    <p:tnLst>
+      <p:par>
+        <p:cTn id="1" dur="indefinite" restart="never" nodeType="tmRoot"/>
+      </p:par>
+    </p:tnLst>
+  </p:timing>
+</p:sld>
+</file>
+
+<file path=ppt/slides/slide27.xml><?xml version="1.0" encoding="utf-8"?>
+<p:sld xmlns:a="http://schemas.openxmlformats.org/drawingml/2006/main" xmlns:r="http://schemas.openxmlformats.org/officeDocument/2006/relationships" xmlns:p="http://schemas.openxmlformats.org/presentationml/2006/main">
+  <p:cSld>
+    <p:spTree>
+      <p:nvGrpSpPr>
+        <p:cNvPr id="1" name=""/>
+        <p:cNvGrpSpPr/>
+        <p:nvPr/>
+      </p:nvGrpSpPr>
+      <p:grpSpPr>
+        <a:xfrm>
+          <a:off x="0" y="0"/>
+          <a:ext cx="0" cy="0"/>
+          <a:chOff x="0" y="0"/>
+          <a:chExt cx="0" cy="0"/>
+        </a:xfrm>
+      </p:grpSpPr>
+      <p:sp>
+        <p:nvSpPr>
+          <p:cNvPr id="4098" name="TextBox 5" hidden="1"/>
+          <p:cNvSpPr txBox="1">
+            <a:spLocks noChangeArrowheads="1"/>
+          </p:cNvSpPr>
+          <p:nvPr/>
+        </p:nvSpPr>
+        <p:spPr bwMode="auto">
+          <a:xfrm>
+            <a:off x="1939925" y="1954213"/>
+            <a:ext cx="1943100" cy="369887"/>
+          </a:xfrm>
+          <a:prstGeom prst="rect">
+            <a:avLst/>
+          </a:prstGeom>
+          <a:noFill/>
+          <a:ln>
+            <a:noFill/>
+          </a:ln>
+          <a:extLst>
+            <a:ext uri="{909E8E84-426E-40DD-AFC4-6F175D3DCCD1}">
+              <a14:hiddenFill xmlns:a14="http://schemas.microsoft.com/office/drawing/2010/main">
+                <a:solidFill>
+                  <a:srgbClr val="FFFFFF"/>
+                </a:solidFill>
+              </a14:hiddenFill>
+            </a:ext>
+            <a:ext uri="{91240B29-F687-4F45-9708-019B960494DF}">
+              <a14:hiddenLine xmlns:a14="http://schemas.microsoft.com/office/drawing/2010/main" w="9525">
+                <a:solidFill>
+                  <a:srgbClr val="000000"/>
+                </a:solidFill>
+                <a:miter lim="800000"/>
+                <a:headEnd/>
+                <a:tailEnd/>
+              </a14:hiddenLine>
+            </a:ext>
+          </a:extLst>
+        </p:spPr>
+        <p:txBody>
+          <a:bodyPr>
+            <a:spAutoFit/>
+          </a:bodyPr>
+          <a:lstStyle>
+            <a:lvl1pPr>
+              <a:defRPr>
+                <a:solidFill>
+                  <a:schemeClr val="tx1"/>
+                </a:solidFill>
+                <a:latin typeface="Arial" pitchFamily="34" charset="0"/>
+                <a:ea typeface="宋体" pitchFamily="2" charset="-122"/>
+              </a:defRPr>
+            </a:lvl1pPr>
+            <a:lvl2pPr marL="742950" indent="-285750">
+              <a:defRPr>
+                <a:solidFill>
+                  <a:schemeClr val="tx1"/>
+                </a:solidFill>
+                <a:latin typeface="Arial" pitchFamily="34" charset="0"/>
+                <a:ea typeface="宋体" pitchFamily="2" charset="-122"/>
+              </a:defRPr>
+            </a:lvl2pPr>
+            <a:lvl3pPr marL="1143000" indent="-228600">
+              <a:defRPr>
+                <a:solidFill>
+                  <a:schemeClr val="tx1"/>
+                </a:solidFill>
+                <a:latin typeface="Arial" pitchFamily="34" charset="0"/>
+                <a:ea typeface="宋体" pitchFamily="2" charset="-122"/>
+              </a:defRPr>
+            </a:lvl3pPr>
+            <a:lvl4pPr marL="1600200" indent="-228600">
+              <a:defRPr>
+                <a:solidFill>
+                  <a:schemeClr val="tx1"/>
+                </a:solidFill>
+                <a:latin typeface="Arial" pitchFamily="34" charset="0"/>
+                <a:ea typeface="宋体" pitchFamily="2" charset="-122"/>
+              </a:defRPr>
+            </a:lvl4pPr>
+            <a:lvl5pPr marL="2057400" indent="-228600">
+              <a:defRPr>
+                <a:solidFill>
+                  <a:schemeClr val="tx1"/>
+                </a:solidFill>
+                <a:latin typeface="Arial" pitchFamily="34" charset="0"/>
+                <a:ea typeface="宋体" pitchFamily="2" charset="-122"/>
+              </a:defRPr>
+            </a:lvl5pPr>
+            <a:lvl6pPr marL="2514600" indent="-228600" eaLnBrk="0" fontAlgn="base" hangingPunct="0">
+              <a:spcBef>
+                <a:spcPct val="0"/>
+              </a:spcBef>
+              <a:spcAft>
+                <a:spcPct val="0"/>
+              </a:spcAft>
+              <a:defRPr>
+                <a:solidFill>
+                  <a:schemeClr val="tx1"/>
+                </a:solidFill>
+                <a:latin typeface="Arial" pitchFamily="34" charset="0"/>
+                <a:ea typeface="宋体" pitchFamily="2" charset="-122"/>
+              </a:defRPr>
+            </a:lvl6pPr>
+            <a:lvl7pPr marL="2971800" indent="-228600" eaLnBrk="0" fontAlgn="base" hangingPunct="0">
+              <a:spcBef>
+                <a:spcPct val="0"/>
+              </a:spcBef>
+              <a:spcAft>
+                <a:spcPct val="0"/>
+              </a:spcAft>
+              <a:defRPr>
+                <a:solidFill>
+                  <a:schemeClr val="tx1"/>
+                </a:solidFill>
+                <a:latin typeface="Arial" pitchFamily="34" charset="0"/>
+                <a:ea typeface="宋体" pitchFamily="2" charset="-122"/>
+              </a:defRPr>
+            </a:lvl7pPr>
+            <a:lvl8pPr marL="3429000" indent="-228600" eaLnBrk="0" fontAlgn="base" hangingPunct="0">
+              <a:spcBef>
+                <a:spcPct val="0"/>
+              </a:spcBef>
+              <a:spcAft>
+                <a:spcPct val="0"/>
+              </a:spcAft>
+              <a:defRPr>
+                <a:solidFill>
+                  <a:schemeClr val="tx1"/>
+                </a:solidFill>
+                <a:latin typeface="Arial" pitchFamily="34" charset="0"/>
+                <a:ea typeface="宋体" pitchFamily="2" charset="-122"/>
+              </a:defRPr>
+            </a:lvl8pPr>
+            <a:lvl9pPr marL="3886200" indent="-228600" eaLnBrk="0" fontAlgn="base" hangingPunct="0">
+              <a:spcBef>
+                <a:spcPct val="0"/>
+              </a:spcBef>
+              <a:spcAft>
+                <a:spcPct val="0"/>
+              </a:spcAft>
+              <a:defRPr>
+                <a:solidFill>
+                  <a:schemeClr val="tx1"/>
+                </a:solidFill>
+                <a:latin typeface="Arial" pitchFamily="34" charset="0"/>
+                <a:ea typeface="宋体" pitchFamily="2" charset="-122"/>
+              </a:defRPr>
+            </a:lvl9pPr>
+          </a:lstStyle>
+          <a:p>
+            <a:pPr eaLnBrk="1" hangingPunct="1"/>
+            <a:r>
+              <a:rPr lang="zh-CN" altLang="en-US">
+                <a:latin typeface="微软雅黑" pitchFamily="34" charset="-122"/>
+                <a:ea typeface="微软雅黑" pitchFamily="34" charset="-122"/>
+              </a:rPr>
+              <a:t>点击添加文本</a:t>
+            </a:r>
           </a:p>
         </p:txBody>
       </p:sp>
       <p:sp>
         <p:nvSpPr>
-          <p:cNvPr id="4" name="TextBox 3"/>
+          <p:cNvPr id="4099" name="矩形 6" hidden="1"/>
+          <p:cNvSpPr>
+            <a:spLocks noChangeArrowheads="1"/>
+          </p:cNvSpPr>
+          <p:nvPr/>
+        </p:nvSpPr>
+        <p:spPr bwMode="auto">
+          <a:xfrm>
+            <a:off x="1939925" y="3025775"/>
+            <a:ext cx="1471613" cy="646113"/>
+          </a:xfrm>
+          <a:prstGeom prst="rect">
+            <a:avLst/>
+          </a:prstGeom>
+          <a:noFill/>
+          <a:ln>
+            <a:noFill/>
+          </a:ln>
+          <a:extLst>
+            <a:ext uri="{909E8E84-426E-40DD-AFC4-6F175D3DCCD1}">
+              <a14:hiddenFill xmlns:a14="http://schemas.microsoft.com/office/drawing/2010/main">
+                <a:solidFill>
+                  <a:srgbClr val="FFFFFF"/>
+                </a:solidFill>
+              </a14:hiddenFill>
+            </a:ext>
+            <a:ext uri="{91240B29-F687-4F45-9708-019B960494DF}">
+              <a14:hiddenLine xmlns:a14="http://schemas.microsoft.com/office/drawing/2010/main" w="9525">
+                <a:solidFill>
+                  <a:srgbClr val="000000"/>
+                </a:solidFill>
+                <a:miter lim="800000"/>
+                <a:headEnd/>
+                <a:tailEnd/>
+              </a14:hiddenLine>
+            </a:ext>
+          </a:extLst>
+        </p:spPr>
+        <p:txBody>
+          <a:bodyPr>
+            <a:spAutoFit/>
+          </a:bodyPr>
+          <a:lstStyle/>
+          <a:p>
+            <a:pPr eaLnBrk="1" hangingPunct="1"/>
+            <a:r>
+              <a:rPr lang="zh-CN" altLang="en-US">
+                <a:latin typeface="微软雅黑" pitchFamily="34" charset="-122"/>
+                <a:ea typeface="微软雅黑" pitchFamily="34" charset="-122"/>
+              </a:rPr>
+              <a:t>点击添加文本</a:t>
+            </a:r>
+          </a:p>
+        </p:txBody>
+      </p:sp>
+      <p:sp>
+        <p:nvSpPr>
+          <p:cNvPr id="4100" name="矩形 7" hidden="1"/>
+          <p:cNvSpPr>
+            <a:spLocks noChangeArrowheads="1"/>
+          </p:cNvSpPr>
+          <p:nvPr/>
+        </p:nvSpPr>
+        <p:spPr bwMode="auto">
+          <a:xfrm>
+            <a:off x="2011363" y="4240213"/>
+            <a:ext cx="1471612" cy="646112"/>
+          </a:xfrm>
+          <a:prstGeom prst="rect">
+            <a:avLst/>
+          </a:prstGeom>
+          <a:noFill/>
+          <a:ln>
+            <a:noFill/>
+          </a:ln>
+          <a:extLst>
+            <a:ext uri="{909E8E84-426E-40DD-AFC4-6F175D3DCCD1}">
+              <a14:hiddenFill xmlns:a14="http://schemas.microsoft.com/office/drawing/2010/main">
+                <a:solidFill>
+                  <a:srgbClr val="FFFFFF"/>
+                </a:solidFill>
+              </a14:hiddenFill>
+            </a:ext>
+            <a:ext uri="{91240B29-F687-4F45-9708-019B960494DF}">
+              <a14:hiddenLine xmlns:a14="http://schemas.microsoft.com/office/drawing/2010/main" w="9525">
+                <a:solidFill>
+                  <a:srgbClr val="000000"/>
+                </a:solidFill>
+                <a:miter lim="800000"/>
+                <a:headEnd/>
+                <a:tailEnd/>
+              </a14:hiddenLine>
+            </a:ext>
+          </a:extLst>
+        </p:spPr>
+        <p:txBody>
+          <a:bodyPr>
+            <a:spAutoFit/>
+          </a:bodyPr>
+          <a:lstStyle/>
+          <a:p>
+            <a:pPr eaLnBrk="1" hangingPunct="1"/>
+            <a:r>
+              <a:rPr lang="zh-CN" altLang="en-US">
+                <a:latin typeface="微软雅黑" pitchFamily="34" charset="-122"/>
+                <a:ea typeface="微软雅黑" pitchFamily="34" charset="-122"/>
+              </a:rPr>
+              <a:t>点击添加文本</a:t>
+            </a:r>
+          </a:p>
+        </p:txBody>
+      </p:sp>
+      <p:sp>
+        <p:nvSpPr>
+          <p:cNvPr id="4101" name="矩形 8" hidden="1"/>
+          <p:cNvSpPr>
+            <a:spLocks noChangeArrowheads="1"/>
+          </p:cNvSpPr>
+          <p:nvPr/>
+        </p:nvSpPr>
+        <p:spPr bwMode="auto">
+          <a:xfrm>
+            <a:off x="2011363" y="5526088"/>
+            <a:ext cx="1471612" cy="646112"/>
+          </a:xfrm>
+          <a:prstGeom prst="rect">
+            <a:avLst/>
+          </a:prstGeom>
+          <a:noFill/>
+          <a:ln>
+            <a:noFill/>
+          </a:ln>
+          <a:extLst>
+            <a:ext uri="{909E8E84-426E-40DD-AFC4-6F175D3DCCD1}">
+              <a14:hiddenFill xmlns:a14="http://schemas.microsoft.com/office/drawing/2010/main">
+                <a:solidFill>
+                  <a:srgbClr val="FFFFFF"/>
+                </a:solidFill>
+              </a14:hiddenFill>
+            </a:ext>
+            <a:ext uri="{91240B29-F687-4F45-9708-019B960494DF}">
+              <a14:hiddenLine xmlns:a14="http://schemas.microsoft.com/office/drawing/2010/main" w="9525">
+                <a:solidFill>
+                  <a:srgbClr val="000000"/>
+                </a:solidFill>
+                <a:miter lim="800000"/>
+                <a:headEnd/>
+                <a:tailEnd/>
+              </a14:hiddenLine>
+            </a:ext>
+          </a:extLst>
+        </p:spPr>
+        <p:txBody>
+          <a:bodyPr>
+            <a:spAutoFit/>
+          </a:bodyPr>
+          <a:lstStyle/>
+          <a:p>
+            <a:pPr eaLnBrk="1" hangingPunct="1"/>
+            <a:r>
+              <a:rPr lang="zh-CN" altLang="en-US">
+                <a:latin typeface="微软雅黑" pitchFamily="34" charset="-122"/>
+                <a:ea typeface="微软雅黑" pitchFamily="34" charset="-122"/>
+              </a:rPr>
+              <a:t>点击添加文本</a:t>
+            </a:r>
+          </a:p>
+        </p:txBody>
+      </p:sp>
+      <p:grpSp>
+        <p:nvGrpSpPr>
+          <p:cNvPr id="4102" name="组合 17"/>
+          <p:cNvGrpSpPr>
+            <a:grpSpLocks/>
+          </p:cNvGrpSpPr>
+          <p:nvPr/>
+        </p:nvGrpSpPr>
+        <p:grpSpPr bwMode="auto">
+          <a:xfrm>
+            <a:off x="468313" y="404813"/>
+            <a:ext cx="8351837" cy="431800"/>
+            <a:chOff x="467544" y="332656"/>
+            <a:chExt cx="8352928" cy="432048"/>
+          </a:xfrm>
+        </p:grpSpPr>
+        <p:grpSp>
+          <p:nvGrpSpPr>
+            <p:cNvPr id="4105" name="组合 13"/>
+            <p:cNvGrpSpPr>
+              <a:grpSpLocks/>
+            </p:cNvGrpSpPr>
+            <p:nvPr/>
+          </p:nvGrpSpPr>
+          <p:grpSpPr bwMode="auto">
+            <a:xfrm>
+              <a:off x="467544" y="332656"/>
+              <a:ext cx="432048" cy="432048"/>
+              <a:chOff x="899592" y="476672"/>
+              <a:chExt cx="432048" cy="432048"/>
+            </a:xfrm>
+          </p:grpSpPr>
+          <p:sp>
+            <p:nvSpPr>
+              <p:cNvPr id="12" name="矩形 11">
+                <a:extLst>
+                  <a:ext uri="{FF2B5EF4-FFF2-40B4-BE49-F238E27FC236}"/>
+                </a:extLst>
+              </p:cNvPr>
+              <p:cNvSpPr/>
+              <p:nvPr/>
+            </p:nvSpPr>
+            <p:spPr>
+              <a:xfrm>
+                <a:off x="899592" y="476672"/>
+                <a:ext cx="360409" cy="360569"/>
+              </a:xfrm>
+              <a:prstGeom prst="rect">
+                <a:avLst/>
+              </a:prstGeom>
+              <a:noFill/>
+              <a:ln>
+                <a:solidFill>
+                  <a:srgbClr val="BBA68E"/>
+                </a:solidFill>
+              </a:ln>
+            </p:spPr>
+            <p:style>
+              <a:lnRef idx="2">
+                <a:schemeClr val="accent1">
+                  <a:shade val="50000"/>
+                </a:schemeClr>
+              </a:lnRef>
+              <a:fillRef idx="1">
+                <a:schemeClr val="accent1"/>
+              </a:fillRef>
+              <a:effectRef idx="0">
+                <a:schemeClr val="accent1"/>
+              </a:effectRef>
+              <a:fontRef idx="minor">
+                <a:schemeClr val="lt1"/>
+              </a:fontRef>
+            </p:style>
+            <p:txBody>
+              <a:bodyPr anchor="ctr"/>
+              <a:lstStyle/>
+              <a:p>
+                <a:pPr algn="ctr" eaLnBrk="1" hangingPunct="1">
+                  <a:defRPr/>
+                </a:pPr>
+                <a:endParaRPr lang="zh-CN" altLang="en-US"/>
+              </a:p>
+            </p:txBody>
+          </p:sp>
+          <p:sp>
+            <p:nvSpPr>
+              <p:cNvPr id="13" name="矩形 12">
+                <a:extLst>
+                  <a:ext uri="{FF2B5EF4-FFF2-40B4-BE49-F238E27FC236}"/>
+                </a:extLst>
+              </p:cNvPr>
+              <p:cNvSpPr/>
+              <p:nvPr/>
+            </p:nvSpPr>
+            <p:spPr>
+              <a:xfrm>
+                <a:off x="1112345" y="689519"/>
+                <a:ext cx="219103" cy="219201"/>
+              </a:xfrm>
+              <a:prstGeom prst="rect">
+                <a:avLst/>
+              </a:prstGeom>
+              <a:solidFill>
+                <a:srgbClr val="E9CD69"/>
+              </a:solidFill>
+              <a:ln>
+                <a:noFill/>
+              </a:ln>
+            </p:spPr>
+            <p:style>
+              <a:lnRef idx="2">
+                <a:schemeClr val="accent1">
+                  <a:shade val="50000"/>
+                </a:schemeClr>
+              </a:lnRef>
+              <a:fillRef idx="1">
+                <a:schemeClr val="accent1"/>
+              </a:fillRef>
+              <a:effectRef idx="0">
+                <a:schemeClr val="accent1"/>
+              </a:effectRef>
+              <a:fontRef idx="minor">
+                <a:schemeClr val="lt1"/>
+              </a:fontRef>
+            </p:style>
+            <p:txBody>
+              <a:bodyPr anchor="ctr"/>
+              <a:lstStyle/>
+              <a:p>
+                <a:pPr algn="ctr" eaLnBrk="1" hangingPunct="1">
+                  <a:defRPr/>
+                </a:pPr>
+                <a:endParaRPr lang="zh-CN" altLang="en-US"/>
+              </a:p>
+            </p:txBody>
+          </p:sp>
+        </p:grpSp>
+        <p:cxnSp>
+          <p:nvCxnSpPr>
+            <p:cNvPr id="16" name="直接连接符 15">
+              <a:extLst>
+                <a:ext uri="{FF2B5EF4-FFF2-40B4-BE49-F238E27FC236}"/>
+              </a:extLst>
+            </p:cNvPr>
+            <p:cNvCxnSpPr/>
+            <p:nvPr/>
+          </p:nvCxnSpPr>
+          <p:spPr>
+            <a:xfrm>
+              <a:off x="970847" y="764704"/>
+              <a:ext cx="7849625" cy="0"/>
+            </a:xfrm>
+            <a:prstGeom prst="line">
+              <a:avLst/>
+            </a:prstGeom>
+            <a:ln w="15875">
+              <a:solidFill>
+                <a:srgbClr val="BBA68E"/>
+              </a:solidFill>
+            </a:ln>
+          </p:spPr>
+          <p:style>
+            <a:lnRef idx="1">
+              <a:schemeClr val="accent1"/>
+            </a:lnRef>
+            <a:fillRef idx="0">
+              <a:schemeClr val="accent1"/>
+            </a:fillRef>
+            <a:effectRef idx="0">
+              <a:schemeClr val="accent1"/>
+            </a:effectRef>
+            <a:fontRef idx="minor">
+              <a:schemeClr val="tx1"/>
+            </a:fontRef>
+          </p:style>
+        </p:cxnSp>
+      </p:grpSp>
+      <p:sp>
+        <p:nvSpPr>
+          <p:cNvPr id="4103" name="TextBox 8"/>
+          <p:cNvSpPr txBox="1">
+            <a:spLocks noChangeArrowheads="1"/>
+          </p:cNvSpPr>
+          <p:nvPr/>
+        </p:nvSpPr>
+        <p:spPr bwMode="auto">
+          <a:xfrm>
+            <a:off x="0" y="400050"/>
+            <a:ext cx="3024188" cy="369888"/>
+          </a:xfrm>
+          <a:prstGeom prst="rect">
+            <a:avLst/>
+          </a:prstGeom>
+          <a:noFill/>
+          <a:ln>
+            <a:noFill/>
+          </a:ln>
+          <a:extLst>
+            <a:ext uri="{909E8E84-426E-40DD-AFC4-6F175D3DCCD1}">
+              <a14:hiddenFill xmlns:a14="http://schemas.microsoft.com/office/drawing/2010/main">
+                <a:solidFill>
+                  <a:srgbClr val="FFFFFF"/>
+                </a:solidFill>
+              </a14:hiddenFill>
+            </a:ext>
+            <a:ext uri="{91240B29-F687-4F45-9708-019B960494DF}">
+              <a14:hiddenLine xmlns:a14="http://schemas.microsoft.com/office/drawing/2010/main" w="9525">
+                <a:solidFill>
+                  <a:srgbClr val="000000"/>
+                </a:solidFill>
+                <a:miter lim="800000"/>
+                <a:headEnd/>
+                <a:tailEnd/>
+              </a14:hiddenLine>
+            </a:ext>
+          </a:extLst>
+        </p:spPr>
+        <p:txBody>
+          <a:bodyPr lIns="0" tIns="0" rIns="0" bIns="0" anchor="ctr">
+            <a:spAutoFit/>
+          </a:bodyPr>
+          <a:lstStyle>
+            <a:lvl1pPr>
+              <a:defRPr>
+                <a:solidFill>
+                  <a:schemeClr val="tx1"/>
+                </a:solidFill>
+                <a:latin typeface="Arial" pitchFamily="34" charset="0"/>
+                <a:ea typeface="宋体" pitchFamily="2" charset="-122"/>
+              </a:defRPr>
+            </a:lvl1pPr>
+            <a:lvl2pPr marL="742950" indent="-285750">
+              <a:defRPr>
+                <a:solidFill>
+                  <a:schemeClr val="tx1"/>
+                </a:solidFill>
+                <a:latin typeface="Arial" pitchFamily="34" charset="0"/>
+                <a:ea typeface="宋体" pitchFamily="2" charset="-122"/>
+              </a:defRPr>
+            </a:lvl2pPr>
+            <a:lvl3pPr marL="1143000" indent="-228600">
+              <a:defRPr>
+                <a:solidFill>
+                  <a:schemeClr val="tx1"/>
+                </a:solidFill>
+                <a:latin typeface="Arial" pitchFamily="34" charset="0"/>
+                <a:ea typeface="宋体" pitchFamily="2" charset="-122"/>
+              </a:defRPr>
+            </a:lvl3pPr>
+            <a:lvl4pPr marL="1600200" indent="-228600">
+              <a:defRPr>
+                <a:solidFill>
+                  <a:schemeClr val="tx1"/>
+                </a:solidFill>
+                <a:latin typeface="Arial" pitchFamily="34" charset="0"/>
+                <a:ea typeface="宋体" pitchFamily="2" charset="-122"/>
+              </a:defRPr>
+            </a:lvl4pPr>
+            <a:lvl5pPr marL="2057400" indent="-228600">
+              <a:defRPr>
+                <a:solidFill>
+                  <a:schemeClr val="tx1"/>
+                </a:solidFill>
+                <a:latin typeface="Arial" pitchFamily="34" charset="0"/>
+                <a:ea typeface="宋体" pitchFamily="2" charset="-122"/>
+              </a:defRPr>
+            </a:lvl5pPr>
+            <a:lvl6pPr marL="2514600" indent="-228600" eaLnBrk="0" fontAlgn="base" hangingPunct="0">
+              <a:spcBef>
+                <a:spcPct val="0"/>
+              </a:spcBef>
+              <a:spcAft>
+                <a:spcPct val="0"/>
+              </a:spcAft>
+              <a:defRPr>
+                <a:solidFill>
+                  <a:schemeClr val="tx1"/>
+                </a:solidFill>
+                <a:latin typeface="Arial" pitchFamily="34" charset="0"/>
+                <a:ea typeface="宋体" pitchFamily="2" charset="-122"/>
+              </a:defRPr>
+            </a:lvl6pPr>
+            <a:lvl7pPr marL="2971800" indent="-228600" eaLnBrk="0" fontAlgn="base" hangingPunct="0">
+              <a:spcBef>
+                <a:spcPct val="0"/>
+              </a:spcBef>
+              <a:spcAft>
+                <a:spcPct val="0"/>
+              </a:spcAft>
+              <a:defRPr>
+                <a:solidFill>
+                  <a:schemeClr val="tx1"/>
+                </a:solidFill>
+                <a:latin typeface="Arial" pitchFamily="34" charset="0"/>
+                <a:ea typeface="宋体" pitchFamily="2" charset="-122"/>
+              </a:defRPr>
+            </a:lvl7pPr>
+            <a:lvl8pPr marL="3429000" indent="-228600" eaLnBrk="0" fontAlgn="base" hangingPunct="0">
+              <a:spcBef>
+                <a:spcPct val="0"/>
+              </a:spcBef>
+              <a:spcAft>
+                <a:spcPct val="0"/>
+              </a:spcAft>
+              <a:defRPr>
+                <a:solidFill>
+                  <a:schemeClr val="tx1"/>
+                </a:solidFill>
+                <a:latin typeface="Arial" pitchFamily="34" charset="0"/>
+                <a:ea typeface="宋体" pitchFamily="2" charset="-122"/>
+              </a:defRPr>
+            </a:lvl8pPr>
+            <a:lvl9pPr marL="3886200" indent="-228600" eaLnBrk="0" fontAlgn="base" hangingPunct="0">
+              <a:spcBef>
+                <a:spcPct val="0"/>
+              </a:spcBef>
+              <a:spcAft>
+                <a:spcPct val="0"/>
+              </a:spcAft>
+              <a:defRPr>
+                <a:solidFill>
+                  <a:schemeClr val="tx1"/>
+                </a:solidFill>
+                <a:latin typeface="Arial" pitchFamily="34" charset="0"/>
+                <a:ea typeface="宋体" pitchFamily="2" charset="-122"/>
+              </a:defRPr>
+            </a:lvl9pPr>
+          </a:lstStyle>
+          <a:p>
+            <a:pPr algn="r" eaLnBrk="1" hangingPunct="1"/>
+            <a:r>
+              <a:rPr lang="zh-CN" altLang="en-US" sz="2400" dirty="0" smtClean="0">
+                <a:ea typeface="微软雅黑" pitchFamily="34" charset="-122"/>
+                <a:sym typeface="Arial" pitchFamily="34" charset="0"/>
+              </a:rPr>
+              <a:t>线程通信</a:t>
+            </a:r>
+            <a:endParaRPr lang="zh-CN" altLang="en-US" sz="2400" dirty="0">
+              <a:ea typeface="微软雅黑" pitchFamily="34" charset="-122"/>
+              <a:sym typeface="Arial" pitchFamily="34" charset="0"/>
+            </a:endParaRPr>
+          </a:p>
+        </p:txBody>
+      </p:sp>
+      <p:sp>
+        <p:nvSpPr>
+          <p:cNvPr id="3" name="TextBox 2"/>
           <p:cNvSpPr txBox="1"/>
           <p:nvPr/>
         </p:nvSpPr>
         <p:spPr>
           <a:xfrm>
-            <a:off x="1003273" y="5877272"/>
-            <a:ext cx="4752578" cy="369332"/>
+            <a:off x="962584" y="908720"/>
+            <a:ext cx="7416304" cy="1615827"/>
           </a:xfrm>
           <a:prstGeom prst="rect">
             <a:avLst/>
@@ -19890,21 +20743,974 @@
           <a:lstStyle/>
           <a:p>
             <a:r>
+              <a:rPr lang="en-US" altLang="zh-CN" dirty="0" smtClean="0"/>
+              <a:t>JDK5</a:t>
+            </a:r>
+            <a:r>
               <a:rPr lang="zh-CN" altLang="en-US" dirty="0" smtClean="0"/>
-              <a:t>时间有限，大家自己复习吧</a:t>
-            </a:r>
+              <a:t> 新增创建线程的方式</a:t>
+            </a:r>
+            <a:endParaRPr lang="en-US" altLang="zh-CN" dirty="0" smtClean="0"/>
+          </a:p>
+          <a:p>
+            <a:pPr>
+              <a:lnSpc>
+                <a:spcPct val="150000"/>
+              </a:lnSpc>
+            </a:pPr>
             <a:r>
               <a:rPr lang="en-US" altLang="zh-CN" dirty="0" smtClean="0"/>
-              <a:t>~~</a:t>
+              <a:t>2.</a:t>
+            </a:r>
+            <a:r>
+              <a:rPr lang="zh-CN" altLang="en-US" dirty="0" smtClean="0"/>
+              <a:t>使用线程池</a:t>
+            </a:r>
+            <a:endParaRPr lang="en-US" altLang="zh-CN" dirty="0" smtClean="0"/>
+          </a:p>
+          <a:p>
+            <a:pPr>
+              <a:lnSpc>
+                <a:spcPct val="150000"/>
+              </a:lnSpc>
+            </a:pPr>
+            <a:r>
+              <a:rPr lang="en-US" altLang="zh-CN" dirty="0"/>
+              <a:t> </a:t>
+            </a:r>
+            <a:r>
+              <a:rPr lang="en-US" altLang="zh-CN" dirty="0" smtClean="0"/>
+              <a:t>          </a:t>
+            </a:r>
+            <a:r>
+              <a:rPr lang="zh-CN" altLang="en-US" dirty="0" smtClean="0"/>
+              <a:t>使用线程池的好处：池的思想，类比数据库连接池。</a:t>
+            </a:r>
+            <a:endParaRPr lang="en-US" altLang="zh-CN" dirty="0" smtClean="0"/>
+          </a:p>
+          <a:p>
+            <a:pPr>
+              <a:lnSpc>
+                <a:spcPct val="150000"/>
+              </a:lnSpc>
+            </a:pPr>
+            <a:r>
+              <a:rPr lang="en-US" altLang="zh-CN" dirty="0"/>
+              <a:t>	</a:t>
             </a:r>
             <a:endParaRPr lang="zh-CN" altLang="en-US" dirty="0"/>
           </a:p>
         </p:txBody>
       </p:sp>
+      <p:pic>
+        <p:nvPicPr>
+          <p:cNvPr id="1026" name="Picture 2"/>
+          <p:cNvPicPr>
+            <a:picLocks noChangeAspect="1" noChangeArrowheads="1"/>
+          </p:cNvPicPr>
+          <p:nvPr/>
+        </p:nvPicPr>
+        <p:blipFill>
+          <a:blip r:embed="rId2">
+            <a:extLst>
+              <a:ext uri="{28A0092B-C50C-407E-A947-70E740481C1C}">
+                <a14:useLocalDpi xmlns:a14="http://schemas.microsoft.com/office/drawing/2010/main" val="0"/>
+              </a:ext>
+            </a:extLst>
+          </a:blip>
+          <a:srcRect/>
+          <a:stretch>
+            <a:fillRect/>
+          </a:stretch>
+        </p:blipFill>
+        <p:spPr bwMode="auto">
+          <a:xfrm>
+            <a:off x="906895" y="2348880"/>
+            <a:ext cx="7471993" cy="3528392"/>
+          </a:xfrm>
+          <a:prstGeom prst="rect">
+            <a:avLst/>
+          </a:prstGeom>
+          <a:noFill/>
+          <a:ln>
+            <a:noFill/>
+          </a:ln>
+          <a:effectLst/>
+          <a:extLst>
+            <a:ext uri="{909E8E84-426E-40DD-AFC4-6F175D3DCCD1}">
+              <a14:hiddenFill xmlns:a14="http://schemas.microsoft.com/office/drawing/2010/main">
+                <a:solidFill>
+                  <a:schemeClr val="accent1"/>
+                </a:solidFill>
+              </a14:hiddenFill>
+            </a:ext>
+            <a:ext uri="{91240B29-F687-4F45-9708-019B960494DF}">
+              <a14:hiddenLine xmlns:a14="http://schemas.microsoft.com/office/drawing/2010/main" w="9525">
+                <a:solidFill>
+                  <a:schemeClr val="tx1"/>
+                </a:solidFill>
+                <a:miter lim="800000"/>
+                <a:headEnd/>
+                <a:tailEnd/>
+              </a14:hiddenLine>
+            </a:ext>
+            <a:ext uri="{AF507438-7753-43E0-B8FC-AC1667EBCBE1}">
+              <a14:hiddenEffects xmlns:a14="http://schemas.microsoft.com/office/drawing/2010/main">
+                <a:effectLst>
+                  <a:outerShdw dist="35921" dir="2700000" algn="ctr" rotWithShape="0">
+                    <a:schemeClr val="bg2"/>
+                  </a:outerShdw>
+                </a:effectLst>
+              </a14:hiddenEffects>
+            </a:ext>
+          </a:extLst>
+        </p:spPr>
+      </p:pic>
     </p:spTree>
     <p:extLst>
       <p:ext uri="{BB962C8B-B14F-4D97-AF65-F5344CB8AC3E}">
-        <p14:creationId xmlns:p14="http://schemas.microsoft.com/office/powerpoint/2010/main" val="832961557"/>
+        <p14:creationId xmlns:p14="http://schemas.microsoft.com/office/powerpoint/2010/main" val="2144375299"/>
+      </p:ext>
+    </p:extLst>
+  </p:cSld>
+  <p:clrMapOvr>
+    <a:masterClrMapping/>
+  </p:clrMapOvr>
+  <p:timing>
+    <p:tnLst>
+      <p:par>
+        <p:cTn id="1" dur="indefinite" restart="never" nodeType="tmRoot"/>
+      </p:par>
+    </p:tnLst>
+  </p:timing>
+</p:sld>
+</file>
+
+<file path=ppt/slides/slide28.xml><?xml version="1.0" encoding="utf-8"?>
+<p:sld xmlns:a="http://schemas.openxmlformats.org/drawingml/2006/main" xmlns:r="http://schemas.openxmlformats.org/officeDocument/2006/relationships" xmlns:p="http://schemas.openxmlformats.org/presentationml/2006/main">
+  <p:cSld>
+    <p:spTree>
+      <p:nvGrpSpPr>
+        <p:cNvPr id="1" name=""/>
+        <p:cNvGrpSpPr/>
+        <p:nvPr/>
+      </p:nvGrpSpPr>
+      <p:grpSpPr>
+        <a:xfrm>
+          <a:off x="0" y="0"/>
+          <a:ext cx="0" cy="0"/>
+          <a:chOff x="0" y="0"/>
+          <a:chExt cx="0" cy="0"/>
+        </a:xfrm>
+      </p:grpSpPr>
+      <p:sp>
+        <p:nvSpPr>
+          <p:cNvPr id="4098" name="TextBox 5" hidden="1"/>
+          <p:cNvSpPr txBox="1">
+            <a:spLocks noChangeArrowheads="1"/>
+          </p:cNvSpPr>
+          <p:nvPr/>
+        </p:nvSpPr>
+        <p:spPr bwMode="auto">
+          <a:xfrm>
+            <a:off x="1939925" y="1954213"/>
+            <a:ext cx="1943100" cy="369887"/>
+          </a:xfrm>
+          <a:prstGeom prst="rect">
+            <a:avLst/>
+          </a:prstGeom>
+          <a:noFill/>
+          <a:ln>
+            <a:noFill/>
+          </a:ln>
+          <a:extLst>
+            <a:ext uri="{909E8E84-426E-40DD-AFC4-6F175D3DCCD1}">
+              <a14:hiddenFill xmlns:a14="http://schemas.microsoft.com/office/drawing/2010/main">
+                <a:solidFill>
+                  <a:srgbClr val="FFFFFF"/>
+                </a:solidFill>
+              </a14:hiddenFill>
+            </a:ext>
+            <a:ext uri="{91240B29-F687-4F45-9708-019B960494DF}">
+              <a14:hiddenLine xmlns:a14="http://schemas.microsoft.com/office/drawing/2010/main" w="9525">
+                <a:solidFill>
+                  <a:srgbClr val="000000"/>
+                </a:solidFill>
+                <a:miter lim="800000"/>
+                <a:headEnd/>
+                <a:tailEnd/>
+              </a14:hiddenLine>
+            </a:ext>
+          </a:extLst>
+        </p:spPr>
+        <p:txBody>
+          <a:bodyPr>
+            <a:spAutoFit/>
+          </a:bodyPr>
+          <a:lstStyle>
+            <a:lvl1pPr>
+              <a:defRPr>
+                <a:solidFill>
+                  <a:schemeClr val="tx1"/>
+                </a:solidFill>
+                <a:latin typeface="Arial" pitchFamily="34" charset="0"/>
+                <a:ea typeface="宋体" pitchFamily="2" charset="-122"/>
+              </a:defRPr>
+            </a:lvl1pPr>
+            <a:lvl2pPr marL="742950" indent="-285750">
+              <a:defRPr>
+                <a:solidFill>
+                  <a:schemeClr val="tx1"/>
+                </a:solidFill>
+                <a:latin typeface="Arial" pitchFamily="34" charset="0"/>
+                <a:ea typeface="宋体" pitchFamily="2" charset="-122"/>
+              </a:defRPr>
+            </a:lvl2pPr>
+            <a:lvl3pPr marL="1143000" indent="-228600">
+              <a:defRPr>
+                <a:solidFill>
+                  <a:schemeClr val="tx1"/>
+                </a:solidFill>
+                <a:latin typeface="Arial" pitchFamily="34" charset="0"/>
+                <a:ea typeface="宋体" pitchFamily="2" charset="-122"/>
+              </a:defRPr>
+            </a:lvl3pPr>
+            <a:lvl4pPr marL="1600200" indent="-228600">
+              <a:defRPr>
+                <a:solidFill>
+                  <a:schemeClr val="tx1"/>
+                </a:solidFill>
+                <a:latin typeface="Arial" pitchFamily="34" charset="0"/>
+                <a:ea typeface="宋体" pitchFamily="2" charset="-122"/>
+              </a:defRPr>
+            </a:lvl4pPr>
+            <a:lvl5pPr marL="2057400" indent="-228600">
+              <a:defRPr>
+                <a:solidFill>
+                  <a:schemeClr val="tx1"/>
+                </a:solidFill>
+                <a:latin typeface="Arial" pitchFamily="34" charset="0"/>
+                <a:ea typeface="宋体" pitchFamily="2" charset="-122"/>
+              </a:defRPr>
+            </a:lvl5pPr>
+            <a:lvl6pPr marL="2514600" indent="-228600" eaLnBrk="0" fontAlgn="base" hangingPunct="0">
+              <a:spcBef>
+                <a:spcPct val="0"/>
+              </a:spcBef>
+              <a:spcAft>
+                <a:spcPct val="0"/>
+              </a:spcAft>
+              <a:defRPr>
+                <a:solidFill>
+                  <a:schemeClr val="tx1"/>
+                </a:solidFill>
+                <a:latin typeface="Arial" pitchFamily="34" charset="0"/>
+                <a:ea typeface="宋体" pitchFamily="2" charset="-122"/>
+              </a:defRPr>
+            </a:lvl6pPr>
+            <a:lvl7pPr marL="2971800" indent="-228600" eaLnBrk="0" fontAlgn="base" hangingPunct="0">
+              <a:spcBef>
+                <a:spcPct val="0"/>
+              </a:spcBef>
+              <a:spcAft>
+                <a:spcPct val="0"/>
+              </a:spcAft>
+              <a:defRPr>
+                <a:solidFill>
+                  <a:schemeClr val="tx1"/>
+                </a:solidFill>
+                <a:latin typeface="Arial" pitchFamily="34" charset="0"/>
+                <a:ea typeface="宋体" pitchFamily="2" charset="-122"/>
+              </a:defRPr>
+            </a:lvl7pPr>
+            <a:lvl8pPr marL="3429000" indent="-228600" eaLnBrk="0" fontAlgn="base" hangingPunct="0">
+              <a:spcBef>
+                <a:spcPct val="0"/>
+              </a:spcBef>
+              <a:spcAft>
+                <a:spcPct val="0"/>
+              </a:spcAft>
+              <a:defRPr>
+                <a:solidFill>
+                  <a:schemeClr val="tx1"/>
+                </a:solidFill>
+                <a:latin typeface="Arial" pitchFamily="34" charset="0"/>
+                <a:ea typeface="宋体" pitchFamily="2" charset="-122"/>
+              </a:defRPr>
+            </a:lvl8pPr>
+            <a:lvl9pPr marL="3886200" indent="-228600" eaLnBrk="0" fontAlgn="base" hangingPunct="0">
+              <a:spcBef>
+                <a:spcPct val="0"/>
+              </a:spcBef>
+              <a:spcAft>
+                <a:spcPct val="0"/>
+              </a:spcAft>
+              <a:defRPr>
+                <a:solidFill>
+                  <a:schemeClr val="tx1"/>
+                </a:solidFill>
+                <a:latin typeface="Arial" pitchFamily="34" charset="0"/>
+                <a:ea typeface="宋体" pitchFamily="2" charset="-122"/>
+              </a:defRPr>
+            </a:lvl9pPr>
+          </a:lstStyle>
+          <a:p>
+            <a:pPr eaLnBrk="1" hangingPunct="1"/>
+            <a:r>
+              <a:rPr lang="zh-CN" altLang="en-US">
+                <a:latin typeface="微软雅黑" pitchFamily="34" charset="-122"/>
+                <a:ea typeface="微软雅黑" pitchFamily="34" charset="-122"/>
+              </a:rPr>
+              <a:t>点击添加文本</a:t>
+            </a:r>
+          </a:p>
+        </p:txBody>
+      </p:sp>
+      <p:sp>
+        <p:nvSpPr>
+          <p:cNvPr id="4099" name="矩形 6" hidden="1"/>
+          <p:cNvSpPr>
+            <a:spLocks noChangeArrowheads="1"/>
+          </p:cNvSpPr>
+          <p:nvPr/>
+        </p:nvSpPr>
+        <p:spPr bwMode="auto">
+          <a:xfrm>
+            <a:off x="1939925" y="3025775"/>
+            <a:ext cx="1471613" cy="646113"/>
+          </a:xfrm>
+          <a:prstGeom prst="rect">
+            <a:avLst/>
+          </a:prstGeom>
+          <a:noFill/>
+          <a:ln>
+            <a:noFill/>
+          </a:ln>
+          <a:extLst>
+            <a:ext uri="{909E8E84-426E-40DD-AFC4-6F175D3DCCD1}">
+              <a14:hiddenFill xmlns:a14="http://schemas.microsoft.com/office/drawing/2010/main">
+                <a:solidFill>
+                  <a:srgbClr val="FFFFFF"/>
+                </a:solidFill>
+              </a14:hiddenFill>
+            </a:ext>
+            <a:ext uri="{91240B29-F687-4F45-9708-019B960494DF}">
+              <a14:hiddenLine xmlns:a14="http://schemas.microsoft.com/office/drawing/2010/main" w="9525">
+                <a:solidFill>
+                  <a:srgbClr val="000000"/>
+                </a:solidFill>
+                <a:miter lim="800000"/>
+                <a:headEnd/>
+                <a:tailEnd/>
+              </a14:hiddenLine>
+            </a:ext>
+          </a:extLst>
+        </p:spPr>
+        <p:txBody>
+          <a:bodyPr>
+            <a:spAutoFit/>
+          </a:bodyPr>
+          <a:lstStyle/>
+          <a:p>
+            <a:pPr eaLnBrk="1" hangingPunct="1"/>
+            <a:r>
+              <a:rPr lang="zh-CN" altLang="en-US">
+                <a:latin typeface="微软雅黑" pitchFamily="34" charset="-122"/>
+                <a:ea typeface="微软雅黑" pitchFamily="34" charset="-122"/>
+              </a:rPr>
+              <a:t>点击添加文本</a:t>
+            </a:r>
+          </a:p>
+        </p:txBody>
+      </p:sp>
+      <p:sp>
+        <p:nvSpPr>
+          <p:cNvPr id="4100" name="矩形 7" hidden="1"/>
+          <p:cNvSpPr>
+            <a:spLocks noChangeArrowheads="1"/>
+          </p:cNvSpPr>
+          <p:nvPr/>
+        </p:nvSpPr>
+        <p:spPr bwMode="auto">
+          <a:xfrm>
+            <a:off x="2011363" y="4240213"/>
+            <a:ext cx="1471612" cy="646112"/>
+          </a:xfrm>
+          <a:prstGeom prst="rect">
+            <a:avLst/>
+          </a:prstGeom>
+          <a:noFill/>
+          <a:ln>
+            <a:noFill/>
+          </a:ln>
+          <a:extLst>
+            <a:ext uri="{909E8E84-426E-40DD-AFC4-6F175D3DCCD1}">
+              <a14:hiddenFill xmlns:a14="http://schemas.microsoft.com/office/drawing/2010/main">
+                <a:solidFill>
+                  <a:srgbClr val="FFFFFF"/>
+                </a:solidFill>
+              </a14:hiddenFill>
+            </a:ext>
+            <a:ext uri="{91240B29-F687-4F45-9708-019B960494DF}">
+              <a14:hiddenLine xmlns:a14="http://schemas.microsoft.com/office/drawing/2010/main" w="9525">
+                <a:solidFill>
+                  <a:srgbClr val="000000"/>
+                </a:solidFill>
+                <a:miter lim="800000"/>
+                <a:headEnd/>
+                <a:tailEnd/>
+              </a14:hiddenLine>
+            </a:ext>
+          </a:extLst>
+        </p:spPr>
+        <p:txBody>
+          <a:bodyPr>
+            <a:spAutoFit/>
+          </a:bodyPr>
+          <a:lstStyle/>
+          <a:p>
+            <a:pPr eaLnBrk="1" hangingPunct="1"/>
+            <a:r>
+              <a:rPr lang="zh-CN" altLang="en-US">
+                <a:latin typeface="微软雅黑" pitchFamily="34" charset="-122"/>
+                <a:ea typeface="微软雅黑" pitchFamily="34" charset="-122"/>
+              </a:rPr>
+              <a:t>点击添加文本</a:t>
+            </a:r>
+          </a:p>
+        </p:txBody>
+      </p:sp>
+      <p:sp>
+        <p:nvSpPr>
+          <p:cNvPr id="4101" name="矩形 8" hidden="1"/>
+          <p:cNvSpPr>
+            <a:spLocks noChangeArrowheads="1"/>
+          </p:cNvSpPr>
+          <p:nvPr/>
+        </p:nvSpPr>
+        <p:spPr bwMode="auto">
+          <a:xfrm>
+            <a:off x="2011363" y="5526088"/>
+            <a:ext cx="1471612" cy="646112"/>
+          </a:xfrm>
+          <a:prstGeom prst="rect">
+            <a:avLst/>
+          </a:prstGeom>
+          <a:noFill/>
+          <a:ln>
+            <a:noFill/>
+          </a:ln>
+          <a:extLst>
+            <a:ext uri="{909E8E84-426E-40DD-AFC4-6F175D3DCCD1}">
+              <a14:hiddenFill xmlns:a14="http://schemas.microsoft.com/office/drawing/2010/main">
+                <a:solidFill>
+                  <a:srgbClr val="FFFFFF"/>
+                </a:solidFill>
+              </a14:hiddenFill>
+            </a:ext>
+            <a:ext uri="{91240B29-F687-4F45-9708-019B960494DF}">
+              <a14:hiddenLine xmlns:a14="http://schemas.microsoft.com/office/drawing/2010/main" w="9525">
+                <a:solidFill>
+                  <a:srgbClr val="000000"/>
+                </a:solidFill>
+                <a:miter lim="800000"/>
+                <a:headEnd/>
+                <a:tailEnd/>
+              </a14:hiddenLine>
+            </a:ext>
+          </a:extLst>
+        </p:spPr>
+        <p:txBody>
+          <a:bodyPr>
+            <a:spAutoFit/>
+          </a:bodyPr>
+          <a:lstStyle/>
+          <a:p>
+            <a:pPr eaLnBrk="1" hangingPunct="1"/>
+            <a:r>
+              <a:rPr lang="zh-CN" altLang="en-US">
+                <a:latin typeface="微软雅黑" pitchFamily="34" charset="-122"/>
+                <a:ea typeface="微软雅黑" pitchFamily="34" charset="-122"/>
+              </a:rPr>
+              <a:t>点击添加文本</a:t>
+            </a:r>
+          </a:p>
+        </p:txBody>
+      </p:sp>
+      <p:grpSp>
+        <p:nvGrpSpPr>
+          <p:cNvPr id="4102" name="组合 17"/>
+          <p:cNvGrpSpPr>
+            <a:grpSpLocks/>
+          </p:cNvGrpSpPr>
+          <p:nvPr/>
+        </p:nvGrpSpPr>
+        <p:grpSpPr bwMode="auto">
+          <a:xfrm>
+            <a:off x="468313" y="404813"/>
+            <a:ext cx="8351837" cy="431800"/>
+            <a:chOff x="467544" y="332656"/>
+            <a:chExt cx="8352928" cy="432048"/>
+          </a:xfrm>
+        </p:grpSpPr>
+        <p:grpSp>
+          <p:nvGrpSpPr>
+            <p:cNvPr id="4105" name="组合 13"/>
+            <p:cNvGrpSpPr>
+              <a:grpSpLocks/>
+            </p:cNvGrpSpPr>
+            <p:nvPr/>
+          </p:nvGrpSpPr>
+          <p:grpSpPr bwMode="auto">
+            <a:xfrm>
+              <a:off x="467544" y="332656"/>
+              <a:ext cx="432048" cy="432048"/>
+              <a:chOff x="899592" y="476672"/>
+              <a:chExt cx="432048" cy="432048"/>
+            </a:xfrm>
+          </p:grpSpPr>
+          <p:sp>
+            <p:nvSpPr>
+              <p:cNvPr id="12" name="矩形 11">
+                <a:extLst>
+                  <a:ext uri="{FF2B5EF4-FFF2-40B4-BE49-F238E27FC236}"/>
+                </a:extLst>
+              </p:cNvPr>
+              <p:cNvSpPr/>
+              <p:nvPr/>
+            </p:nvSpPr>
+            <p:spPr>
+              <a:xfrm>
+                <a:off x="899592" y="476672"/>
+                <a:ext cx="360409" cy="360569"/>
+              </a:xfrm>
+              <a:prstGeom prst="rect">
+                <a:avLst/>
+              </a:prstGeom>
+              <a:noFill/>
+              <a:ln>
+                <a:solidFill>
+                  <a:srgbClr val="BBA68E"/>
+                </a:solidFill>
+              </a:ln>
+            </p:spPr>
+            <p:style>
+              <a:lnRef idx="2">
+                <a:schemeClr val="accent1">
+                  <a:shade val="50000"/>
+                </a:schemeClr>
+              </a:lnRef>
+              <a:fillRef idx="1">
+                <a:schemeClr val="accent1"/>
+              </a:fillRef>
+              <a:effectRef idx="0">
+                <a:schemeClr val="accent1"/>
+              </a:effectRef>
+              <a:fontRef idx="minor">
+                <a:schemeClr val="lt1"/>
+              </a:fontRef>
+            </p:style>
+            <p:txBody>
+              <a:bodyPr anchor="ctr"/>
+              <a:lstStyle/>
+              <a:p>
+                <a:pPr algn="ctr" eaLnBrk="1" hangingPunct="1">
+                  <a:defRPr/>
+                </a:pPr>
+                <a:endParaRPr lang="zh-CN" altLang="en-US"/>
+              </a:p>
+            </p:txBody>
+          </p:sp>
+          <p:sp>
+            <p:nvSpPr>
+              <p:cNvPr id="13" name="矩形 12">
+                <a:extLst>
+                  <a:ext uri="{FF2B5EF4-FFF2-40B4-BE49-F238E27FC236}"/>
+                </a:extLst>
+              </p:cNvPr>
+              <p:cNvSpPr/>
+              <p:nvPr/>
+            </p:nvSpPr>
+            <p:spPr>
+              <a:xfrm>
+                <a:off x="1112345" y="689519"/>
+                <a:ext cx="219103" cy="219201"/>
+              </a:xfrm>
+              <a:prstGeom prst="rect">
+                <a:avLst/>
+              </a:prstGeom>
+              <a:solidFill>
+                <a:srgbClr val="E9CD69"/>
+              </a:solidFill>
+              <a:ln>
+                <a:noFill/>
+              </a:ln>
+            </p:spPr>
+            <p:style>
+              <a:lnRef idx="2">
+                <a:schemeClr val="accent1">
+                  <a:shade val="50000"/>
+                </a:schemeClr>
+              </a:lnRef>
+              <a:fillRef idx="1">
+                <a:schemeClr val="accent1"/>
+              </a:fillRef>
+              <a:effectRef idx="0">
+                <a:schemeClr val="accent1"/>
+              </a:effectRef>
+              <a:fontRef idx="minor">
+                <a:schemeClr val="lt1"/>
+              </a:fontRef>
+            </p:style>
+            <p:txBody>
+              <a:bodyPr anchor="ctr"/>
+              <a:lstStyle/>
+              <a:p>
+                <a:pPr algn="ctr" eaLnBrk="1" hangingPunct="1">
+                  <a:defRPr/>
+                </a:pPr>
+                <a:endParaRPr lang="zh-CN" altLang="en-US"/>
+              </a:p>
+            </p:txBody>
+          </p:sp>
+        </p:grpSp>
+        <p:cxnSp>
+          <p:nvCxnSpPr>
+            <p:cNvPr id="16" name="直接连接符 15">
+              <a:extLst>
+                <a:ext uri="{FF2B5EF4-FFF2-40B4-BE49-F238E27FC236}"/>
+              </a:extLst>
+            </p:cNvPr>
+            <p:cNvCxnSpPr/>
+            <p:nvPr/>
+          </p:nvCxnSpPr>
+          <p:spPr>
+            <a:xfrm>
+              <a:off x="970847" y="764704"/>
+              <a:ext cx="7849625" cy="0"/>
+            </a:xfrm>
+            <a:prstGeom prst="line">
+              <a:avLst/>
+            </a:prstGeom>
+            <a:ln w="15875">
+              <a:solidFill>
+                <a:srgbClr val="BBA68E"/>
+              </a:solidFill>
+            </a:ln>
+          </p:spPr>
+          <p:style>
+            <a:lnRef idx="1">
+              <a:schemeClr val="accent1"/>
+            </a:lnRef>
+            <a:fillRef idx="0">
+              <a:schemeClr val="accent1"/>
+            </a:fillRef>
+            <a:effectRef idx="0">
+              <a:schemeClr val="accent1"/>
+            </a:effectRef>
+            <a:fontRef idx="minor">
+              <a:schemeClr val="tx1"/>
+            </a:fontRef>
+          </p:style>
+        </p:cxnSp>
+      </p:grpSp>
+      <p:sp>
+        <p:nvSpPr>
+          <p:cNvPr id="4103" name="TextBox 8"/>
+          <p:cNvSpPr txBox="1">
+            <a:spLocks noChangeArrowheads="1"/>
+          </p:cNvSpPr>
+          <p:nvPr/>
+        </p:nvSpPr>
+        <p:spPr bwMode="auto">
+          <a:xfrm>
+            <a:off x="0" y="400050"/>
+            <a:ext cx="3024188" cy="369888"/>
+          </a:xfrm>
+          <a:prstGeom prst="rect">
+            <a:avLst/>
+          </a:prstGeom>
+          <a:noFill/>
+          <a:ln>
+            <a:noFill/>
+          </a:ln>
+          <a:extLst>
+            <a:ext uri="{909E8E84-426E-40DD-AFC4-6F175D3DCCD1}">
+              <a14:hiddenFill xmlns:a14="http://schemas.microsoft.com/office/drawing/2010/main">
+                <a:solidFill>
+                  <a:srgbClr val="FFFFFF"/>
+                </a:solidFill>
+              </a14:hiddenFill>
+            </a:ext>
+            <a:ext uri="{91240B29-F687-4F45-9708-019B960494DF}">
+              <a14:hiddenLine xmlns:a14="http://schemas.microsoft.com/office/drawing/2010/main" w="9525">
+                <a:solidFill>
+                  <a:srgbClr val="000000"/>
+                </a:solidFill>
+                <a:miter lim="800000"/>
+                <a:headEnd/>
+                <a:tailEnd/>
+              </a14:hiddenLine>
+            </a:ext>
+          </a:extLst>
+        </p:spPr>
+        <p:txBody>
+          <a:bodyPr lIns="0" tIns="0" rIns="0" bIns="0" anchor="ctr">
+            <a:spAutoFit/>
+          </a:bodyPr>
+          <a:lstStyle>
+            <a:lvl1pPr>
+              <a:defRPr>
+                <a:solidFill>
+                  <a:schemeClr val="tx1"/>
+                </a:solidFill>
+                <a:latin typeface="Arial" pitchFamily="34" charset="0"/>
+                <a:ea typeface="宋体" pitchFamily="2" charset="-122"/>
+              </a:defRPr>
+            </a:lvl1pPr>
+            <a:lvl2pPr marL="742950" indent="-285750">
+              <a:defRPr>
+                <a:solidFill>
+                  <a:schemeClr val="tx1"/>
+                </a:solidFill>
+                <a:latin typeface="Arial" pitchFamily="34" charset="0"/>
+                <a:ea typeface="宋体" pitchFamily="2" charset="-122"/>
+              </a:defRPr>
+            </a:lvl2pPr>
+            <a:lvl3pPr marL="1143000" indent="-228600">
+              <a:defRPr>
+                <a:solidFill>
+                  <a:schemeClr val="tx1"/>
+                </a:solidFill>
+                <a:latin typeface="Arial" pitchFamily="34" charset="0"/>
+                <a:ea typeface="宋体" pitchFamily="2" charset="-122"/>
+              </a:defRPr>
+            </a:lvl3pPr>
+            <a:lvl4pPr marL="1600200" indent="-228600">
+              <a:defRPr>
+                <a:solidFill>
+                  <a:schemeClr val="tx1"/>
+                </a:solidFill>
+                <a:latin typeface="Arial" pitchFamily="34" charset="0"/>
+                <a:ea typeface="宋体" pitchFamily="2" charset="-122"/>
+              </a:defRPr>
+            </a:lvl4pPr>
+            <a:lvl5pPr marL="2057400" indent="-228600">
+              <a:defRPr>
+                <a:solidFill>
+                  <a:schemeClr val="tx1"/>
+                </a:solidFill>
+                <a:latin typeface="Arial" pitchFamily="34" charset="0"/>
+                <a:ea typeface="宋体" pitchFamily="2" charset="-122"/>
+              </a:defRPr>
+            </a:lvl5pPr>
+            <a:lvl6pPr marL="2514600" indent="-228600" eaLnBrk="0" fontAlgn="base" hangingPunct="0">
+              <a:spcBef>
+                <a:spcPct val="0"/>
+              </a:spcBef>
+              <a:spcAft>
+                <a:spcPct val="0"/>
+              </a:spcAft>
+              <a:defRPr>
+                <a:solidFill>
+                  <a:schemeClr val="tx1"/>
+                </a:solidFill>
+                <a:latin typeface="Arial" pitchFamily="34" charset="0"/>
+                <a:ea typeface="宋体" pitchFamily="2" charset="-122"/>
+              </a:defRPr>
+            </a:lvl6pPr>
+            <a:lvl7pPr marL="2971800" indent="-228600" eaLnBrk="0" fontAlgn="base" hangingPunct="0">
+              <a:spcBef>
+                <a:spcPct val="0"/>
+              </a:spcBef>
+              <a:spcAft>
+                <a:spcPct val="0"/>
+              </a:spcAft>
+              <a:defRPr>
+                <a:solidFill>
+                  <a:schemeClr val="tx1"/>
+                </a:solidFill>
+                <a:latin typeface="Arial" pitchFamily="34" charset="0"/>
+                <a:ea typeface="宋体" pitchFamily="2" charset="-122"/>
+              </a:defRPr>
+            </a:lvl7pPr>
+            <a:lvl8pPr marL="3429000" indent="-228600" eaLnBrk="0" fontAlgn="base" hangingPunct="0">
+              <a:spcBef>
+                <a:spcPct val="0"/>
+              </a:spcBef>
+              <a:spcAft>
+                <a:spcPct val="0"/>
+              </a:spcAft>
+              <a:defRPr>
+                <a:solidFill>
+                  <a:schemeClr val="tx1"/>
+                </a:solidFill>
+                <a:latin typeface="Arial" pitchFamily="34" charset="0"/>
+                <a:ea typeface="宋体" pitchFamily="2" charset="-122"/>
+              </a:defRPr>
+            </a:lvl8pPr>
+            <a:lvl9pPr marL="3886200" indent="-228600" eaLnBrk="0" fontAlgn="base" hangingPunct="0">
+              <a:spcBef>
+                <a:spcPct val="0"/>
+              </a:spcBef>
+              <a:spcAft>
+                <a:spcPct val="0"/>
+              </a:spcAft>
+              <a:defRPr>
+                <a:solidFill>
+                  <a:schemeClr val="tx1"/>
+                </a:solidFill>
+                <a:latin typeface="Arial" pitchFamily="34" charset="0"/>
+                <a:ea typeface="宋体" pitchFamily="2" charset="-122"/>
+              </a:defRPr>
+            </a:lvl9pPr>
+          </a:lstStyle>
+          <a:p>
+            <a:pPr algn="r" eaLnBrk="1" hangingPunct="1"/>
+            <a:r>
+              <a:rPr lang="zh-CN" altLang="en-US" sz="2400" dirty="0" smtClean="0">
+                <a:ea typeface="微软雅黑" pitchFamily="34" charset="-122"/>
+                <a:sym typeface="Arial" pitchFamily="34" charset="0"/>
+              </a:rPr>
+              <a:t>线程通信</a:t>
+            </a:r>
+            <a:endParaRPr lang="zh-CN" altLang="en-US" sz="2400" dirty="0">
+              <a:ea typeface="微软雅黑" pitchFamily="34" charset="-122"/>
+              <a:sym typeface="Arial" pitchFamily="34" charset="0"/>
+            </a:endParaRPr>
+          </a:p>
+        </p:txBody>
+      </p:sp>
+      <p:sp>
+        <p:nvSpPr>
+          <p:cNvPr id="3" name="TextBox 2"/>
+          <p:cNvSpPr txBox="1"/>
+          <p:nvPr/>
+        </p:nvSpPr>
+        <p:spPr>
+          <a:xfrm>
+            <a:off x="962584" y="908720"/>
+            <a:ext cx="7416304" cy="1200329"/>
+          </a:xfrm>
+          <a:prstGeom prst="rect">
+            <a:avLst/>
+          </a:prstGeom>
+          <a:noFill/>
+        </p:spPr>
+        <p:txBody>
+          <a:bodyPr wrap="square" rtlCol="0">
+            <a:spAutoFit/>
+          </a:bodyPr>
+          <a:lstStyle/>
+          <a:p>
+            <a:r>
+              <a:rPr lang="en-US" altLang="zh-CN" dirty="0" smtClean="0"/>
+              <a:t>JDK5</a:t>
+            </a:r>
+            <a:r>
+              <a:rPr lang="zh-CN" altLang="en-US" dirty="0" smtClean="0"/>
+              <a:t> 新增创建线程的方式</a:t>
+            </a:r>
+            <a:endParaRPr lang="en-US" altLang="zh-CN" dirty="0" smtClean="0"/>
+          </a:p>
+          <a:p>
+            <a:pPr>
+              <a:lnSpc>
+                <a:spcPct val="150000"/>
+              </a:lnSpc>
+            </a:pPr>
+            <a:r>
+              <a:rPr lang="en-US" altLang="zh-CN" dirty="0" smtClean="0"/>
+              <a:t>2.</a:t>
+            </a:r>
+            <a:r>
+              <a:rPr lang="zh-CN" altLang="en-US" dirty="0" smtClean="0"/>
+              <a:t>使用线程池</a:t>
+            </a:r>
+            <a:endParaRPr lang="en-US" altLang="zh-CN" dirty="0" smtClean="0"/>
+          </a:p>
+          <a:p>
+            <a:pPr>
+              <a:lnSpc>
+                <a:spcPct val="150000"/>
+              </a:lnSpc>
+            </a:pPr>
+            <a:r>
+              <a:rPr lang="en-US" altLang="zh-CN" dirty="0"/>
+              <a:t>	</a:t>
+            </a:r>
+            <a:endParaRPr lang="zh-CN" altLang="en-US" dirty="0"/>
+          </a:p>
+        </p:txBody>
+      </p:sp>
+      <p:pic>
+        <p:nvPicPr>
+          <p:cNvPr id="2050" name="Picture 2"/>
+          <p:cNvPicPr>
+            <a:picLocks noChangeAspect="1" noChangeArrowheads="1"/>
+          </p:cNvPicPr>
+          <p:nvPr/>
+        </p:nvPicPr>
+        <p:blipFill>
+          <a:blip r:embed="rId2">
+            <a:extLst>
+              <a:ext uri="{28A0092B-C50C-407E-A947-70E740481C1C}">
+                <a14:useLocalDpi xmlns:a14="http://schemas.microsoft.com/office/drawing/2010/main" val="0"/>
+              </a:ext>
+            </a:extLst>
+          </a:blip>
+          <a:srcRect/>
+          <a:stretch>
+            <a:fillRect/>
+          </a:stretch>
+        </p:blipFill>
+        <p:spPr bwMode="auto">
+          <a:xfrm>
+            <a:off x="784530" y="1844824"/>
+            <a:ext cx="7652119" cy="3960440"/>
+          </a:xfrm>
+          <a:prstGeom prst="rect">
+            <a:avLst/>
+          </a:prstGeom>
+          <a:noFill/>
+          <a:ln>
+            <a:noFill/>
+          </a:ln>
+          <a:effectLst/>
+          <a:extLst>
+            <a:ext uri="{909E8E84-426E-40DD-AFC4-6F175D3DCCD1}">
+              <a14:hiddenFill xmlns:a14="http://schemas.microsoft.com/office/drawing/2010/main">
+                <a:solidFill>
+                  <a:schemeClr val="accent1"/>
+                </a:solidFill>
+              </a14:hiddenFill>
+            </a:ext>
+            <a:ext uri="{91240B29-F687-4F45-9708-019B960494DF}">
+              <a14:hiddenLine xmlns:a14="http://schemas.microsoft.com/office/drawing/2010/main" w="9525">
+                <a:solidFill>
+                  <a:schemeClr val="tx1"/>
+                </a:solidFill>
+                <a:miter lim="800000"/>
+                <a:headEnd/>
+                <a:tailEnd/>
+              </a14:hiddenLine>
+            </a:ext>
+            <a:ext uri="{AF507438-7753-43E0-B8FC-AC1667EBCBE1}">
+              <a14:hiddenEffects xmlns:a14="http://schemas.microsoft.com/office/drawing/2010/main">
+                <a:effectLst>
+                  <a:outerShdw dist="35921" dir="2700000" algn="ctr" rotWithShape="0">
+                    <a:schemeClr val="bg2"/>
+                  </a:outerShdw>
+                </a:effectLst>
+              </a14:hiddenEffects>
+            </a:ext>
+          </a:extLst>
+        </p:spPr>
+      </p:pic>
+    </p:spTree>
+    <p:extLst>
+      <p:ext uri="{BB962C8B-B14F-4D97-AF65-F5344CB8AC3E}">
+        <p14:creationId xmlns:p14="http://schemas.microsoft.com/office/powerpoint/2010/main" val="3837366318"/>
       </p:ext>
     </p:extLst>
   </p:cSld>
